--- a/DOC/Architecture.pptx
+++ b/DOC/Architecture.pptx
@@ -13,6 +13,8 @@
     <p:sldId id="263" r:id="rId7"/>
     <p:sldId id="259" r:id="rId8"/>
     <p:sldId id="260" r:id="rId9"/>
+    <p:sldId id="264" r:id="rId10"/>
+    <p:sldId id="265" r:id="rId11"/>
   </p:sldIdLst>
   <p:sldSz cx="12192000" cy="6858000"/>
   <p:notesSz cx="6858000" cy="9144000"/>
@@ -111,6 +113,11 @@
       </a:defRPr>
     </a:lvl9pPr>
   </p:defaultTextStyle>
+  <p:extLst>
+    <p:ext uri="{EFAFB233-063F-42B5-8137-9DF3F51BA10A}">
+      <p15:sldGuideLst xmlns:p15="http://schemas.microsoft.com/office/powerpoint/2012/main"/>
+    </p:ext>
+  </p:extLst>
 </p:presentation>
 </file>
 
@@ -358,7 +365,7 @@
           <a:p>
             <a:fld id="{9184DA70-C731-4C70-880D-CCD4705E623C}" type="datetime1">
               <a:rPr lang="en-US" smtClean="0"/>
-              <a:t>3/22/21</a:t>
+              <a:t>4/26/21</a:t>
             </a:fld>
             <a:endParaRPr lang="en-US" dirty="0"/>
           </a:p>
@@ -546,7 +553,7 @@
           <a:p>
             <a:fld id="{B612A279-0833-481D-8C56-F67FD0AC6C50}" type="datetime1">
               <a:rPr lang="en-US" smtClean="0"/>
-              <a:t>3/22/21</a:t>
+              <a:t>4/26/21</a:t>
             </a:fld>
             <a:endParaRPr lang="en-US" dirty="0"/>
           </a:p>
@@ -788,7 +795,7 @@
           <a:p>
             <a:fld id="{6587DA83-5663-4C9C-B9AA-0B40A3DAFF81}" type="datetime1">
               <a:rPr lang="en-US" smtClean="0"/>
-              <a:t>3/22/21</a:t>
+              <a:t>4/26/21</a:t>
             </a:fld>
             <a:endParaRPr lang="en-US" dirty="0"/>
           </a:p>
@@ -976,7 +983,7 @@
           <a:p>
             <a:fld id="{4BE1D723-8F53-4F53-90B0-1982A396982E}" type="datetime1">
               <a:rPr lang="en-US" smtClean="0"/>
-              <a:t>3/22/21</a:t>
+              <a:t>4/26/21</a:t>
             </a:fld>
             <a:endParaRPr lang="en-US" dirty="0"/>
           </a:p>
@@ -1349,7 +1356,7 @@
           <a:p>
             <a:fld id="{97669AF7-7BEB-44E4-9852-375E34362B5B}" type="datetime1">
               <a:rPr lang="en-US" smtClean="0"/>
-              <a:t>3/22/21</a:t>
+              <a:t>4/26/21</a:t>
             </a:fld>
             <a:endParaRPr lang="en-US" dirty="0"/>
           </a:p>
@@ -1604,7 +1611,7 @@
           <a:p>
             <a:fld id="{BAAAC38D-0552-4C82-B593-E6124DFADBE2}" type="datetime1">
               <a:rPr lang="en-US" smtClean="0"/>
-              <a:t>3/22/21</a:t>
+              <a:t>4/26/21</a:t>
             </a:fld>
             <a:endParaRPr lang="en-US" dirty="0"/>
           </a:p>
@@ -2001,7 +2008,7 @@
           <a:p>
             <a:fld id="{D9DF0F1C-5577-4ACB-BB62-DF8F3C494C7E}" type="datetime1">
               <a:rPr lang="en-US" smtClean="0"/>
-              <a:t>3/22/21</a:t>
+              <a:t>4/26/21</a:t>
             </a:fld>
             <a:endParaRPr lang="en-US" dirty="0"/>
           </a:p>
@@ -2137,7 +2144,7 @@
           <a:p>
             <a:fld id="{1775B394-D9F9-4F0C-B15D-605F45CB9E9F}" type="datetime1">
               <a:rPr lang="en-US" smtClean="0"/>
-              <a:t>3/22/21</a:t>
+              <a:t>4/26/21</a:t>
             </a:fld>
             <a:endParaRPr lang="en-US" dirty="0"/>
           </a:p>
@@ -2294,7 +2301,7 @@
           <a:p>
             <a:fld id="{39667345-2558-425A-8533-9BFDBCE15005}" type="datetime1">
               <a:rPr lang="en-US" smtClean="0"/>
-              <a:t>3/22/21</a:t>
+              <a:t>4/26/21</a:t>
             </a:fld>
             <a:endParaRPr lang="en-US" dirty="0"/>
           </a:p>
@@ -2623,7 +2630,7 @@
           <a:p>
             <a:fld id="{92BEA474-078D-4E9B-9B14-09A87B19DC46}" type="datetime1">
               <a:rPr lang="en-US" smtClean="0"/>
-              <a:t>3/22/21</a:t>
+              <a:t>4/26/21</a:t>
             </a:fld>
             <a:endParaRPr lang="en-US" dirty="0"/>
           </a:p>
@@ -2973,7 +2980,7 @@
           <a:p>
             <a:fld id="{4907D986-8816-4272-A432-0437A28A9828}" type="datetime1">
               <a:rPr lang="en-US" smtClean="0"/>
-              <a:t>3/22/21</a:t>
+              <a:t>4/26/21</a:t>
             </a:fld>
             <a:endParaRPr lang="en-US" dirty="0"/>
           </a:p>
@@ -3234,7 +3241,7 @@
           <a:p>
             <a:fld id="{62D6E202-B606-4609-B914-27C9371A1F6D}" type="datetime1">
               <a:rPr lang="en-US" smtClean="0"/>
-              <a:t>3/22/21</a:t>
+              <a:t>4/26/21</a:t>
             </a:fld>
             <a:endParaRPr lang="en-US" dirty="0"/>
           </a:p>
@@ -4289,6 +4296,107 @@
 </p:sld>
 </file>
 
+<file path=ppt/slides/slide10.xml><?xml version="1.0" encoding="utf-8"?>
+<p:sld xmlns:a="http://schemas.openxmlformats.org/drawingml/2006/main" xmlns:r="http://schemas.openxmlformats.org/officeDocument/2006/relationships" xmlns:p="http://schemas.openxmlformats.org/presentationml/2006/main">
+  <p:cSld>
+    <p:spTree>
+      <p:nvGrpSpPr>
+        <p:cNvPr id="1" name=""/>
+        <p:cNvGrpSpPr/>
+        <p:nvPr/>
+      </p:nvGrpSpPr>
+      <p:grpSpPr>
+        <a:xfrm>
+          <a:off x="0" y="0"/>
+          <a:ext cx="0" cy="0"/>
+          <a:chOff x="0" y="0"/>
+          <a:chExt cx="0" cy="0"/>
+        </a:xfrm>
+      </p:grpSpPr>
+      <p:sp>
+        <p:nvSpPr>
+          <p:cNvPr id="2" name="Titel 1">
+            <a:extLst>
+              <a:ext uri="{FF2B5EF4-FFF2-40B4-BE49-F238E27FC236}">
+                <a16:creationId xmlns:a16="http://schemas.microsoft.com/office/drawing/2014/main" id="{ACCFC980-E701-484D-ADFE-7540177210E4}"/>
+              </a:ext>
+            </a:extLst>
+          </p:cNvPr>
+          <p:cNvSpPr>
+            <a:spLocks noGrp="1"/>
+          </p:cNvSpPr>
+          <p:nvPr>
+            <p:ph type="title"/>
+          </p:nvPr>
+        </p:nvSpPr>
+        <p:spPr/>
+        <p:txBody>
+          <a:bodyPr/>
+          <a:lstStyle/>
+          <a:p>
+            <a:r>
+              <a:rPr lang="de-DE" dirty="0"/>
+              <a:t>APEX Dynamic Controller</a:t>
+            </a:r>
+          </a:p>
+        </p:txBody>
+      </p:sp>
+      <p:sp>
+        <p:nvSpPr>
+          <p:cNvPr id="3" name="Inhaltsplatzhalter 2">
+            <a:extLst>
+              <a:ext uri="{FF2B5EF4-FFF2-40B4-BE49-F238E27FC236}">
+                <a16:creationId xmlns:a16="http://schemas.microsoft.com/office/drawing/2014/main" id="{FDA99598-CAF7-704A-B141-144EE52596CB}"/>
+              </a:ext>
+            </a:extLst>
+          </p:cNvPr>
+          <p:cNvSpPr>
+            <a:spLocks noGrp="1"/>
+          </p:cNvSpPr>
+          <p:nvPr>
+            <p:ph idx="1"/>
+          </p:nvPr>
+        </p:nvSpPr>
+        <p:spPr/>
+        <p:txBody>
+          <a:bodyPr>
+            <a:normAutofit/>
+          </a:bodyPr>
+          <a:lstStyle/>
+          <a:p>
+            <a:pPr marL="201168" lvl="1" indent="0" algn="ctr">
+              <a:buNone/>
+            </a:pPr>
+            <a:endParaRPr lang="de-DE" sz="6000" dirty="0"/>
+          </a:p>
+          <a:p>
+            <a:pPr marL="201168" lvl="1" indent="0" algn="ctr">
+              <a:buNone/>
+            </a:pPr>
+            <a:r>
+              <a:rPr lang="de-DE" sz="6000" b="1" dirty="0">
+                <a:solidFill>
+                  <a:schemeClr val="accent5"/>
+                </a:solidFill>
+              </a:rPr>
+              <a:t>MISSION ACCOMPLISHED!</a:t>
+            </a:r>
+          </a:p>
+        </p:txBody>
+      </p:sp>
+    </p:spTree>
+    <p:extLst>
+      <p:ext uri="{BB962C8B-B14F-4D97-AF65-F5344CB8AC3E}">
+        <p14:creationId xmlns:p14="http://schemas.microsoft.com/office/powerpoint/2010/main" val="2151040097"/>
+      </p:ext>
+    </p:extLst>
+  </p:cSld>
+  <p:clrMapOvr>
+    <a:masterClrMapping/>
+  </p:clrMapOvr>
+</p:sld>
+</file>
+
 <file path=ppt/slides/slide2.xml><?xml version="1.0" encoding="utf-8"?>
 <p:sld xmlns:a="http://schemas.openxmlformats.org/drawingml/2006/main" xmlns:r="http://schemas.openxmlformats.org/officeDocument/2006/relationships" xmlns:p="http://schemas.openxmlformats.org/presentationml/2006/main">
   <p:cSld>
@@ -4329,15 +4437,7 @@
           <a:p>
             <a:r>
               <a:rPr lang="de-DE" dirty="0"/>
-              <a:t>The </a:t>
-            </a:r>
-            <a:r>
-              <a:rPr lang="de-DE" dirty="0" err="1"/>
-              <a:t>motivation</a:t>
-            </a:r>
-            <a:r>
-              <a:rPr lang="de-DE" dirty="0"/>
-              <a:t>: </a:t>
+              <a:t>The Motivation: </a:t>
             </a:r>
             <a:r>
               <a:rPr lang="de-DE" dirty="0" err="1"/>
@@ -4573,15 +4673,7 @@
           <a:p>
             <a:r>
               <a:rPr lang="de-DE" dirty="0"/>
-              <a:t>The </a:t>
-            </a:r>
-            <a:r>
-              <a:rPr lang="de-DE" dirty="0" err="1"/>
-              <a:t>motivation</a:t>
-            </a:r>
-            <a:r>
-              <a:rPr lang="de-DE" dirty="0"/>
-              <a:t>: </a:t>
+              <a:t>The Motivation: </a:t>
             </a:r>
             <a:r>
               <a:rPr lang="de-DE" dirty="0" err="1"/>
@@ -5013,15 +5105,7 @@
           <a:p>
             <a:r>
               <a:rPr lang="de-DE" dirty="0"/>
-              <a:t>The </a:t>
-            </a:r>
-            <a:r>
-              <a:rPr lang="de-DE" dirty="0" err="1"/>
-              <a:t>motivation</a:t>
-            </a:r>
-            <a:r>
-              <a:rPr lang="de-DE" dirty="0"/>
-              <a:t>: Dynamic Actions</a:t>
+              <a:t>The Motivation: Dynamic Actions</a:t>
             </a:r>
           </a:p>
         </p:txBody>
@@ -5182,14 +5266,6 @@
             </a:r>
             <a:r>
               <a:rPr lang="de-DE" dirty="0"/>
-              <a:t> </a:t>
-            </a:r>
-            <a:r>
-              <a:rPr lang="de-DE" dirty="0" err="1"/>
-              <a:t>creating</a:t>
-            </a:r>
-            <a:r>
-              <a:rPr lang="de-DE" dirty="0"/>
               <a:t> JavaScript </a:t>
             </a:r>
             <a:r>
@@ -5493,14 +5569,6 @@
             </a:r>
             <a:r>
               <a:rPr lang="de-DE" dirty="0" err="1"/>
-              <a:t>this</a:t>
-            </a:r>
-            <a:r>
-              <a:rPr lang="de-DE" dirty="0"/>
-              <a:t> </a:t>
-            </a:r>
-            <a:r>
-              <a:rPr lang="de-DE" dirty="0" err="1"/>
               <a:t>necessary</a:t>
             </a:r>
             <a:r>
@@ -5642,6 +5710,142 @@
             <a:r>
               <a:rPr lang="de-DE" dirty="0" err="1"/>
               <a:t>logic</a:t>
+            </a:r>
+            <a:endParaRPr lang="de-DE" dirty="0"/>
+          </a:p>
+          <a:p>
+            <a:pPr lvl="1"/>
+            <a:r>
+              <a:rPr lang="de-DE" dirty="0" err="1"/>
+              <a:t>If</a:t>
+            </a:r>
+            <a:r>
+              <a:rPr lang="de-DE" dirty="0"/>
+              <a:t> </a:t>
+            </a:r>
+            <a:r>
+              <a:rPr lang="de-DE" dirty="0" err="1"/>
+              <a:t>data</a:t>
+            </a:r>
+            <a:r>
+              <a:rPr lang="de-DE" dirty="0"/>
+              <a:t> from </a:t>
+            </a:r>
+            <a:r>
+              <a:rPr lang="de-DE" dirty="0" err="1"/>
+              <a:t>the</a:t>
+            </a:r>
+            <a:r>
+              <a:rPr lang="de-DE" dirty="0"/>
+              <a:t> </a:t>
+            </a:r>
+            <a:r>
+              <a:rPr lang="de-DE" dirty="0" err="1"/>
+              <a:t>model</a:t>
+            </a:r>
+            <a:r>
+              <a:rPr lang="de-DE" dirty="0"/>
+              <a:t> </a:t>
+            </a:r>
+            <a:r>
+              <a:rPr lang="de-DE" dirty="0" err="1"/>
+              <a:t>is</a:t>
+            </a:r>
+            <a:r>
+              <a:rPr lang="de-DE" dirty="0"/>
+              <a:t> </a:t>
+            </a:r>
+            <a:r>
+              <a:rPr lang="de-DE" dirty="0" err="1"/>
+              <a:t>required</a:t>
+            </a:r>
+            <a:r>
+              <a:rPr lang="de-DE" dirty="0"/>
+              <a:t>, </a:t>
+            </a:r>
+            <a:r>
+              <a:rPr lang="de-DE" dirty="0" err="1"/>
+              <a:t>the</a:t>
+            </a:r>
+            <a:r>
+              <a:rPr lang="de-DE" dirty="0"/>
+              <a:t> </a:t>
+            </a:r>
+            <a:r>
+              <a:rPr lang="de-DE" dirty="0" err="1"/>
+              <a:t>view</a:t>
+            </a:r>
+            <a:r>
+              <a:rPr lang="de-DE" dirty="0"/>
+              <a:t> </a:t>
+            </a:r>
+            <a:r>
+              <a:rPr lang="de-DE" dirty="0" err="1"/>
+              <a:t>bypasses</a:t>
+            </a:r>
+            <a:r>
+              <a:rPr lang="de-DE" dirty="0"/>
+              <a:t> </a:t>
+            </a:r>
+            <a:r>
+              <a:rPr lang="de-DE" dirty="0" err="1"/>
+              <a:t>the</a:t>
+            </a:r>
+            <a:r>
+              <a:rPr lang="de-DE" dirty="0"/>
+              <a:t> </a:t>
+            </a:r>
+            <a:r>
+              <a:rPr lang="de-DE" dirty="0" err="1"/>
+              <a:t>controller</a:t>
+            </a:r>
+            <a:r>
+              <a:rPr lang="de-DE" dirty="0"/>
+              <a:t> </a:t>
+            </a:r>
+            <a:r>
+              <a:rPr lang="de-DE" dirty="0" err="1"/>
+              <a:t>and</a:t>
+            </a:r>
+            <a:r>
+              <a:rPr lang="de-DE" dirty="0"/>
+              <a:t> </a:t>
+            </a:r>
+            <a:r>
+              <a:rPr lang="de-DE" dirty="0" err="1"/>
+              <a:t>talks</a:t>
+            </a:r>
+            <a:r>
+              <a:rPr lang="de-DE" dirty="0"/>
+              <a:t> </a:t>
+            </a:r>
+            <a:r>
+              <a:rPr lang="de-DE" dirty="0" err="1"/>
+              <a:t>to</a:t>
+            </a:r>
+            <a:r>
+              <a:rPr lang="de-DE" dirty="0"/>
+              <a:t> </a:t>
+            </a:r>
+            <a:r>
+              <a:rPr lang="de-DE" dirty="0" err="1"/>
+              <a:t>the</a:t>
+            </a:r>
+            <a:r>
+              <a:rPr lang="de-DE" dirty="0"/>
+              <a:t> </a:t>
+            </a:r>
+            <a:r>
+              <a:rPr lang="de-DE" dirty="0" err="1"/>
+              <a:t>model</a:t>
+            </a:r>
+            <a:r>
+              <a:rPr lang="de-DE" dirty="0"/>
+              <a:t> </a:t>
+            </a:r>
+            <a:r>
+              <a:rPr lang="de-DE" dirty="0" err="1"/>
+              <a:t>directly</a:t>
             </a:r>
             <a:endParaRPr lang="de-DE" dirty="0"/>
           </a:p>
@@ -5863,6 +6067,37 @@
                                   </p:childTnLst>
                                 </p:cTn>
                               </p:par>
+                              <p:par>
+                                <p:cTn id="17" presetID="1" presetClass="entr" presetSubtype="0" fill="hold" nodeType="withEffect">
+                                  <p:stCondLst>
+                                    <p:cond delay="0"/>
+                                  </p:stCondLst>
+                                  <p:childTnLst>
+                                    <p:set>
+                                      <p:cBhvr>
+                                        <p:cTn id="18" dur="1" fill="hold">
+                                          <p:stCondLst>
+                                            <p:cond delay="0"/>
+                                          </p:stCondLst>
+                                        </p:cTn>
+                                        <p:tgtEl>
+                                          <p:spTgt spid="3">
+                                            <p:txEl>
+                                              <p:pRg st="8" end="8"/>
+                                            </p:txEl>
+                                          </p:spTgt>
+                                        </p:tgtEl>
+                                        <p:attrNameLst>
+                                          <p:attrName>style.visibility</p:attrName>
+                                        </p:attrNameLst>
+                                      </p:cBhvr>
+                                      <p:to>
+                                        <p:strVal val="visible"/>
+                                      </p:to>
+                                    </p:set>
+                                  </p:childTnLst>
+                                </p:cTn>
+                              </p:par>
                             </p:childTnLst>
                           </p:cTn>
                         </p:par>
@@ -5934,15 +6169,7 @@
           <a:p>
             <a:r>
               <a:rPr lang="de-DE" dirty="0"/>
-              <a:t>The </a:t>
-            </a:r>
-            <a:r>
-              <a:rPr lang="de-DE" dirty="0" err="1"/>
-              <a:t>motivation</a:t>
-            </a:r>
-            <a:r>
-              <a:rPr lang="de-DE" dirty="0"/>
-              <a:t>: Dynamic Actions</a:t>
+              <a:t>The Motivation: Dynamic Actions</a:t>
             </a:r>
           </a:p>
         </p:txBody>
@@ -7038,7 +7265,15 @@
           <a:p>
             <a:r>
               <a:rPr lang="de-DE" dirty="0"/>
-              <a:t>The Solution: Dynamic Controller</a:t>
+              <a:t>The </a:t>
+            </a:r>
+            <a:r>
+              <a:rPr lang="de-DE" dirty="0" err="1"/>
+              <a:t>Strategy</a:t>
+            </a:r>
+            <a:r>
+              <a:rPr lang="de-DE" dirty="0"/>
+              <a:t>: Dynamic Controller</a:t>
             </a:r>
           </a:p>
         </p:txBody>
@@ -8315,9 +8550,12 @@
             </a:r>
             <a:r>
               <a:rPr lang="de-DE" dirty="0" err="1"/>
-              <a:t>solution</a:t>
-            </a:r>
-            <a:endParaRPr lang="de-DE" dirty="0"/>
+              <a:t>Strategy</a:t>
+            </a:r>
+            <a:r>
+              <a:rPr lang="de-DE" dirty="0"/>
+              <a:t>: Dynamic Controller</a:t>
+            </a:r>
           </a:p>
         </p:txBody>
       </p:sp>
@@ -9153,6 +9391,566 @@
     <p:extLst>
       <p:ext uri="{BB962C8B-B14F-4D97-AF65-F5344CB8AC3E}">
         <p14:creationId xmlns:p14="http://schemas.microsoft.com/office/powerpoint/2010/main" val="2585939932"/>
+      </p:ext>
+    </p:extLst>
+  </p:cSld>
+  <p:clrMapOvr>
+    <a:masterClrMapping/>
+  </p:clrMapOvr>
+</p:sld>
+</file>
+
+<file path=ppt/slides/slide9.xml><?xml version="1.0" encoding="utf-8"?>
+<p:sld xmlns:a="http://schemas.openxmlformats.org/drawingml/2006/main" xmlns:r="http://schemas.openxmlformats.org/officeDocument/2006/relationships" xmlns:p="http://schemas.openxmlformats.org/presentationml/2006/main">
+  <p:cSld>
+    <p:spTree>
+      <p:nvGrpSpPr>
+        <p:cNvPr id="1" name=""/>
+        <p:cNvGrpSpPr/>
+        <p:nvPr/>
+      </p:nvGrpSpPr>
+      <p:grpSpPr>
+        <a:xfrm>
+          <a:off x="0" y="0"/>
+          <a:ext cx="0" cy="0"/>
+          <a:chOff x="0" y="0"/>
+          <a:chExt cx="0" cy="0"/>
+        </a:xfrm>
+      </p:grpSpPr>
+      <p:sp>
+        <p:nvSpPr>
+          <p:cNvPr id="2" name="Titel 1">
+            <a:extLst>
+              <a:ext uri="{FF2B5EF4-FFF2-40B4-BE49-F238E27FC236}">
+                <a16:creationId xmlns:a16="http://schemas.microsoft.com/office/drawing/2014/main" id="{ACCFC980-E701-484D-ADFE-7540177210E4}"/>
+              </a:ext>
+            </a:extLst>
+          </p:cNvPr>
+          <p:cNvSpPr>
+            <a:spLocks noGrp="1"/>
+          </p:cNvSpPr>
+          <p:nvPr>
+            <p:ph type="title"/>
+          </p:nvPr>
+        </p:nvSpPr>
+        <p:spPr/>
+        <p:txBody>
+          <a:bodyPr/>
+          <a:lstStyle/>
+          <a:p>
+            <a:r>
+              <a:rPr lang="de-DE" dirty="0"/>
+              <a:t>APEX Dynamic Controller</a:t>
+            </a:r>
+          </a:p>
+        </p:txBody>
+      </p:sp>
+      <p:sp>
+        <p:nvSpPr>
+          <p:cNvPr id="3" name="Inhaltsplatzhalter 2">
+            <a:extLst>
+              <a:ext uri="{FF2B5EF4-FFF2-40B4-BE49-F238E27FC236}">
+                <a16:creationId xmlns:a16="http://schemas.microsoft.com/office/drawing/2014/main" id="{FDA99598-CAF7-704A-B141-144EE52596CB}"/>
+              </a:ext>
+            </a:extLst>
+          </p:cNvPr>
+          <p:cNvSpPr>
+            <a:spLocks noGrp="1"/>
+          </p:cNvSpPr>
+          <p:nvPr>
+            <p:ph idx="1"/>
+          </p:nvPr>
+        </p:nvSpPr>
+        <p:spPr/>
+        <p:txBody>
+          <a:bodyPr/>
+          <a:lstStyle/>
+          <a:p>
+            <a:pPr lvl="1"/>
+            <a:r>
+              <a:rPr lang="de-DE" dirty="0"/>
+              <a:t>Supports </a:t>
+            </a:r>
+            <a:r>
+              <a:rPr lang="de-DE" dirty="0" err="1"/>
+              <a:t>the</a:t>
+            </a:r>
+            <a:r>
+              <a:rPr lang="de-DE" dirty="0"/>
+              <a:t> </a:t>
+            </a:r>
+            <a:r>
+              <a:rPr lang="de-DE" dirty="0" err="1"/>
+              <a:t>low</a:t>
+            </a:r>
+            <a:r>
+              <a:rPr lang="de-DE" dirty="0"/>
+              <a:t> </a:t>
+            </a:r>
+            <a:r>
+              <a:rPr lang="de-DE" dirty="0" err="1"/>
+              <a:t>code</a:t>
+            </a:r>
+            <a:r>
+              <a:rPr lang="de-DE" dirty="0"/>
+              <a:t> </a:t>
+            </a:r>
+            <a:r>
+              <a:rPr lang="de-DE" dirty="0" err="1"/>
+              <a:t>paradigm</a:t>
+            </a:r>
+            <a:r>
+              <a:rPr lang="de-DE" dirty="0"/>
+              <a:t> </a:t>
+            </a:r>
+            <a:r>
+              <a:rPr lang="de-DE" dirty="0" err="1"/>
+              <a:t>by</a:t>
+            </a:r>
+            <a:r>
+              <a:rPr lang="de-DE" dirty="0"/>
+              <a:t> </a:t>
+            </a:r>
+            <a:r>
+              <a:rPr lang="de-DE" dirty="0" err="1"/>
+              <a:t>providing</a:t>
+            </a:r>
+            <a:r>
+              <a:rPr lang="de-DE" dirty="0"/>
+              <a:t> </a:t>
+            </a:r>
+            <a:r>
+              <a:rPr lang="de-DE" dirty="0" err="1"/>
+              <a:t>action</a:t>
+            </a:r>
+            <a:r>
+              <a:rPr lang="de-DE" dirty="0"/>
+              <a:t> </a:t>
+            </a:r>
+            <a:r>
+              <a:rPr lang="de-DE" dirty="0" err="1"/>
+              <a:t>types</a:t>
+            </a:r>
+            <a:r>
+              <a:rPr lang="de-DE" dirty="0"/>
+              <a:t> </a:t>
+            </a:r>
+            <a:r>
+              <a:rPr lang="de-DE" dirty="0" err="1"/>
+              <a:t>and</a:t>
+            </a:r>
+            <a:r>
+              <a:rPr lang="de-DE" dirty="0"/>
+              <a:t> </a:t>
+            </a:r>
+            <a:r>
+              <a:rPr lang="de-DE" dirty="0" err="1"/>
+              <a:t>offering</a:t>
+            </a:r>
+            <a:r>
+              <a:rPr lang="de-DE" dirty="0"/>
+              <a:t> an API </a:t>
+            </a:r>
+            <a:r>
+              <a:rPr lang="de-DE" dirty="0" err="1"/>
+              <a:t>as</a:t>
+            </a:r>
+            <a:r>
+              <a:rPr lang="de-DE" dirty="0"/>
+              <a:t> </a:t>
+            </a:r>
+            <a:r>
+              <a:rPr lang="de-DE" dirty="0" err="1"/>
+              <a:t>well</a:t>
+            </a:r>
+            <a:endParaRPr lang="de-DE" dirty="0"/>
+          </a:p>
+          <a:p>
+            <a:pPr lvl="1"/>
+            <a:r>
+              <a:rPr lang="de-DE" dirty="0" err="1"/>
+              <a:t>Provides</a:t>
+            </a:r>
+            <a:r>
+              <a:rPr lang="de-DE" dirty="0"/>
+              <a:t> a </a:t>
+            </a:r>
+            <a:r>
+              <a:rPr lang="de-DE" dirty="0" err="1"/>
+              <a:t>better</a:t>
+            </a:r>
+            <a:r>
+              <a:rPr lang="de-DE" dirty="0"/>
+              <a:t> </a:t>
+            </a:r>
+            <a:r>
+              <a:rPr lang="de-DE" dirty="0" err="1"/>
+              <a:t>overview</a:t>
+            </a:r>
+            <a:r>
+              <a:rPr lang="de-DE" dirty="0"/>
+              <a:t> </a:t>
+            </a:r>
+            <a:r>
+              <a:rPr lang="de-DE" dirty="0" err="1"/>
+              <a:t>over</a:t>
+            </a:r>
+            <a:r>
+              <a:rPr lang="de-DE" dirty="0"/>
+              <a:t> </a:t>
+            </a:r>
+            <a:r>
+              <a:rPr lang="de-DE" dirty="0" err="1"/>
+              <a:t>complex</a:t>
+            </a:r>
+            <a:r>
+              <a:rPr lang="de-DE" dirty="0"/>
+              <a:t> </a:t>
+            </a:r>
+            <a:r>
+              <a:rPr lang="de-DE" dirty="0" err="1"/>
+              <a:t>application</a:t>
+            </a:r>
+            <a:r>
+              <a:rPr lang="de-DE" dirty="0"/>
+              <a:t> </a:t>
+            </a:r>
+            <a:r>
+              <a:rPr lang="de-DE" dirty="0" err="1"/>
+              <a:t>flows</a:t>
+            </a:r>
+            <a:r>
+              <a:rPr lang="de-DE" dirty="0"/>
+              <a:t> in </a:t>
+            </a:r>
+            <a:r>
+              <a:rPr lang="de-DE" dirty="0" err="1"/>
+              <a:t>that</a:t>
+            </a:r>
+            <a:r>
+              <a:rPr lang="de-DE" dirty="0"/>
+              <a:t> </a:t>
+            </a:r>
+            <a:r>
+              <a:rPr lang="de-DE" dirty="0" err="1"/>
+              <a:t>it</a:t>
+            </a:r>
+            <a:r>
+              <a:rPr lang="de-DE" dirty="0"/>
+              <a:t> </a:t>
+            </a:r>
+            <a:r>
+              <a:rPr lang="de-DE" dirty="0" err="1"/>
+              <a:t>is</a:t>
+            </a:r>
+            <a:r>
+              <a:rPr lang="de-DE" dirty="0"/>
+              <a:t> </a:t>
+            </a:r>
+            <a:r>
+              <a:rPr lang="de-DE" dirty="0" err="1"/>
+              <a:t>oriented</a:t>
+            </a:r>
+            <a:r>
+              <a:rPr lang="de-DE" dirty="0"/>
+              <a:t> on </a:t>
+            </a:r>
+            <a:r>
+              <a:rPr lang="de-DE" dirty="0" err="1"/>
+              <a:t>use</a:t>
+            </a:r>
+            <a:r>
+              <a:rPr lang="de-DE" dirty="0"/>
+              <a:t> </a:t>
+            </a:r>
+            <a:r>
+              <a:rPr lang="de-DE" dirty="0" err="1"/>
+              <a:t>cases</a:t>
+            </a:r>
+            <a:endParaRPr lang="de-DE" dirty="0"/>
+          </a:p>
+          <a:p>
+            <a:pPr lvl="1"/>
+            <a:r>
+              <a:rPr lang="de-DE" dirty="0" err="1"/>
+              <a:t>Does</a:t>
+            </a:r>
+            <a:r>
+              <a:rPr lang="de-DE" dirty="0"/>
+              <a:t> not </a:t>
+            </a:r>
+            <a:r>
+              <a:rPr lang="de-DE" dirty="0" err="1"/>
+              <a:t>require</a:t>
+            </a:r>
+            <a:r>
+              <a:rPr lang="de-DE" dirty="0"/>
+              <a:t> a </a:t>
+            </a:r>
+            <a:r>
+              <a:rPr lang="de-DE" dirty="0" err="1"/>
+              <a:t>new</a:t>
+            </a:r>
+            <a:r>
+              <a:rPr lang="de-DE" dirty="0"/>
+              <a:t> </a:t>
+            </a:r>
+            <a:r>
+              <a:rPr lang="de-DE" dirty="0" err="1"/>
+              <a:t>language</a:t>
+            </a:r>
+            <a:r>
+              <a:rPr lang="de-DE" dirty="0"/>
+              <a:t> </a:t>
+            </a:r>
+            <a:r>
+              <a:rPr lang="de-DE" dirty="0" err="1"/>
+              <a:t>or</a:t>
+            </a:r>
+            <a:r>
+              <a:rPr lang="de-DE" dirty="0"/>
+              <a:t> a different </a:t>
+            </a:r>
+            <a:r>
+              <a:rPr lang="de-DE" dirty="0" err="1"/>
+              <a:t>syntax</a:t>
+            </a:r>
+            <a:r>
+              <a:rPr lang="de-DE" dirty="0"/>
+              <a:t> </a:t>
+            </a:r>
+            <a:r>
+              <a:rPr lang="de-DE" dirty="0" err="1"/>
+              <a:t>as</a:t>
+            </a:r>
+            <a:r>
+              <a:rPr lang="de-DE" dirty="0"/>
+              <a:t> </a:t>
+            </a:r>
+            <a:r>
+              <a:rPr lang="de-DE" dirty="0" err="1"/>
+              <a:t>it</a:t>
+            </a:r>
+            <a:r>
+              <a:rPr lang="de-DE" dirty="0"/>
+              <a:t> </a:t>
+            </a:r>
+            <a:r>
+              <a:rPr lang="de-DE" dirty="0" err="1"/>
+              <a:t>is</a:t>
+            </a:r>
+            <a:r>
+              <a:rPr lang="de-DE" dirty="0"/>
+              <a:t> </a:t>
+            </a:r>
+            <a:r>
+              <a:rPr lang="de-DE" dirty="0" err="1"/>
+              <a:t>based</a:t>
+            </a:r>
+            <a:r>
+              <a:rPr lang="de-DE" dirty="0"/>
+              <a:t> on SQL </a:t>
+            </a:r>
+            <a:r>
+              <a:rPr lang="de-DE" dirty="0" err="1"/>
+              <a:t>where</a:t>
+            </a:r>
+            <a:r>
+              <a:rPr lang="de-DE" dirty="0"/>
+              <a:t> </a:t>
+            </a:r>
+            <a:r>
+              <a:rPr lang="de-DE" dirty="0" err="1"/>
+              <a:t>clauses</a:t>
+            </a:r>
+            <a:endParaRPr lang="de-DE" dirty="0"/>
+          </a:p>
+          <a:p>
+            <a:pPr lvl="1"/>
+            <a:r>
+              <a:rPr lang="de-DE" dirty="0"/>
+              <a:t>Can </a:t>
+            </a:r>
+            <a:r>
+              <a:rPr lang="de-DE" dirty="0" err="1"/>
+              <a:t>be</a:t>
+            </a:r>
+            <a:r>
+              <a:rPr lang="de-DE" dirty="0"/>
+              <a:t> </a:t>
+            </a:r>
+            <a:r>
+              <a:rPr lang="de-DE" dirty="0" err="1"/>
+              <a:t>easily</a:t>
+            </a:r>
+            <a:r>
+              <a:rPr lang="de-DE" dirty="0"/>
+              <a:t> </a:t>
+            </a:r>
+            <a:r>
+              <a:rPr lang="de-DE" dirty="0" err="1"/>
+              <a:t>extended</a:t>
+            </a:r>
+            <a:r>
+              <a:rPr lang="de-DE" dirty="0"/>
+              <a:t> </a:t>
+            </a:r>
+            <a:r>
+              <a:rPr lang="de-DE" dirty="0" err="1"/>
+              <a:t>by</a:t>
+            </a:r>
+            <a:r>
+              <a:rPr lang="de-DE" dirty="0"/>
+              <a:t> </a:t>
+            </a:r>
+            <a:r>
+              <a:rPr lang="de-DE" dirty="0" err="1"/>
+              <a:t>creating</a:t>
+            </a:r>
+            <a:r>
+              <a:rPr lang="de-DE" dirty="0"/>
+              <a:t> </a:t>
+            </a:r>
+            <a:r>
+              <a:rPr lang="de-DE" dirty="0" err="1"/>
+              <a:t>new</a:t>
+            </a:r>
+            <a:r>
+              <a:rPr lang="de-DE" dirty="0"/>
+              <a:t> </a:t>
+            </a:r>
+            <a:r>
+              <a:rPr lang="de-DE" dirty="0" err="1"/>
+              <a:t>action</a:t>
+            </a:r>
+            <a:r>
+              <a:rPr lang="de-DE" dirty="0"/>
+              <a:t> </a:t>
+            </a:r>
+            <a:r>
+              <a:rPr lang="de-DE" dirty="0" err="1"/>
+              <a:t>types</a:t>
+            </a:r>
+            <a:r>
+              <a:rPr lang="de-DE" dirty="0"/>
+              <a:t> </a:t>
+            </a:r>
+            <a:r>
+              <a:rPr lang="de-DE" dirty="0" err="1"/>
+              <a:t>declaratively</a:t>
+            </a:r>
+            <a:endParaRPr lang="de-DE" dirty="0"/>
+          </a:p>
+          <a:p>
+            <a:pPr lvl="1"/>
+            <a:r>
+              <a:rPr lang="de-DE" dirty="0"/>
+              <a:t>Supports a clean </a:t>
+            </a:r>
+            <a:r>
+              <a:rPr lang="de-DE" dirty="0" err="1"/>
+              <a:t>and</a:t>
+            </a:r>
+            <a:r>
+              <a:rPr lang="de-DE" dirty="0"/>
+              <a:t> </a:t>
+            </a:r>
+            <a:r>
+              <a:rPr lang="de-DE" dirty="0" err="1"/>
+              <a:t>scalable</a:t>
+            </a:r>
+            <a:r>
+              <a:rPr lang="de-DE" dirty="0"/>
+              <a:t> </a:t>
+            </a:r>
+            <a:r>
+              <a:rPr lang="de-DE" dirty="0" err="1"/>
+              <a:t>programming</a:t>
+            </a:r>
+            <a:r>
+              <a:rPr lang="de-DE" dirty="0"/>
+              <a:t> style </a:t>
+            </a:r>
+            <a:r>
+              <a:rPr lang="de-DE" dirty="0" err="1"/>
+              <a:t>by</a:t>
+            </a:r>
+            <a:r>
+              <a:rPr lang="de-DE" dirty="0"/>
+              <a:t> </a:t>
+            </a:r>
+            <a:r>
+              <a:rPr lang="de-DE" dirty="0" err="1"/>
+              <a:t>seperating</a:t>
+            </a:r>
+            <a:r>
+              <a:rPr lang="de-DE" dirty="0"/>
+              <a:t> </a:t>
+            </a:r>
+            <a:r>
+              <a:rPr lang="de-DE" dirty="0" err="1"/>
+              <a:t>concerns</a:t>
+            </a:r>
+            <a:r>
+              <a:rPr lang="de-DE" dirty="0"/>
+              <a:t> </a:t>
+            </a:r>
+            <a:r>
+              <a:rPr lang="de-DE" dirty="0" err="1"/>
+              <a:t>and</a:t>
+            </a:r>
+            <a:r>
+              <a:rPr lang="de-DE" dirty="0"/>
+              <a:t> </a:t>
+            </a:r>
+            <a:r>
+              <a:rPr lang="de-DE" dirty="0" err="1"/>
+              <a:t>supporting</a:t>
+            </a:r>
+            <a:r>
+              <a:rPr lang="de-DE" dirty="0"/>
+              <a:t> PL</a:t>
+            </a:r>
+            <a:r>
+              <a:rPr lang="de-DE"/>
+              <a:t>/SQL-Packages </a:t>
+            </a:r>
+            <a:r>
+              <a:rPr lang="de-DE" dirty="0" err="1"/>
+              <a:t>to</a:t>
+            </a:r>
+            <a:r>
+              <a:rPr lang="de-DE" dirty="0"/>
+              <a:t> </a:t>
+            </a:r>
+            <a:r>
+              <a:rPr lang="de-DE" dirty="0" err="1"/>
+              <a:t>implement</a:t>
+            </a:r>
+            <a:r>
+              <a:rPr lang="de-DE" dirty="0"/>
+              <a:t> </a:t>
+            </a:r>
+            <a:r>
+              <a:rPr lang="de-DE" dirty="0" err="1"/>
+              <a:t>the</a:t>
+            </a:r>
+            <a:r>
+              <a:rPr lang="de-DE" dirty="0"/>
+              <a:t> </a:t>
+            </a:r>
+            <a:r>
+              <a:rPr lang="de-DE" dirty="0" err="1"/>
+              <a:t>logic</a:t>
+            </a:r>
+            <a:endParaRPr lang="de-DE" dirty="0"/>
+          </a:p>
+        </p:txBody>
+      </p:sp>
+    </p:spTree>
+    <p:extLst>
+      <p:ext uri="{BB962C8B-B14F-4D97-AF65-F5344CB8AC3E}">
+        <p14:creationId xmlns:p14="http://schemas.microsoft.com/office/powerpoint/2010/main" val="2127633264"/>
       </p:ext>
     </p:extLst>
   </p:cSld>
